--- a/slajdovi/master.pptx
+++ b/slajdovi/master.pptx
@@ -9,13 +9,12 @@
     <p:sldId id="257" r:id="rId3"/>
     <p:sldId id="259" r:id="rId4"/>
     <p:sldId id="260" r:id="rId5"/>
-    <p:sldId id="258" r:id="rId6"/>
-    <p:sldId id="262" r:id="rId7"/>
-    <p:sldId id="266" r:id="rId8"/>
+    <p:sldId id="262" r:id="rId6"/>
+    <p:sldId id="266" r:id="rId7"/>
+    <p:sldId id="289" r:id="rId8"/>
     <p:sldId id="267" r:id="rId9"/>
-    <p:sldId id="289" r:id="rId10"/>
-    <p:sldId id="290" r:id="rId11"/>
-    <p:sldId id="291" r:id="rId12"/>
+    <p:sldId id="290" r:id="rId10"/>
+    <p:sldId id="291" r:id="rId11"/>
   </p:sldIdLst>
   <p:sldSz cx="12192000" cy="6858000"/>
   <p:notesSz cx="6858000" cy="9144000"/>
@@ -312,7 +311,7 @@
             <a:fld id="{A3D8ACCB-D86A-8340-83DF-E9D64A929EB3}" type="datetimeFigureOut">
               <a:rPr lang="x-none" smtClean="0"/>
               <a:pPr/>
-              <a:t>9/13/2021</a:t>
+              <a:t>9/15/2021</a:t>
             </a:fld>
             <a:endParaRPr lang="x-none"/>
           </a:p>
@@ -577,7 +576,7 @@
             <a:fld id="{A3D8ACCB-D86A-8340-83DF-E9D64A929EB3}" type="datetimeFigureOut">
               <a:rPr lang="x-none" smtClean="0"/>
               <a:pPr/>
-              <a:t>9/13/2021</a:t>
+              <a:t>9/15/2021</a:t>
             </a:fld>
             <a:endParaRPr lang="x-none"/>
           </a:p>
@@ -818,7 +817,7 @@
             <a:fld id="{A3D8ACCB-D86A-8340-83DF-E9D64A929EB3}" type="datetimeFigureOut">
               <a:rPr lang="x-none" smtClean="0"/>
               <a:pPr/>
-              <a:t>9/13/2021</a:t>
+              <a:t>9/15/2021</a:t>
             </a:fld>
             <a:endParaRPr lang="x-none"/>
           </a:p>
@@ -1059,7 +1058,7 @@
             <a:fld id="{A3D8ACCB-D86A-8340-83DF-E9D64A929EB3}" type="datetimeFigureOut">
               <a:rPr lang="x-none" smtClean="0"/>
               <a:pPr/>
-              <a:t>9/13/2021</a:t>
+              <a:t>9/15/2021</a:t>
             </a:fld>
             <a:endParaRPr lang="x-none"/>
           </a:p>
@@ -1366,7 +1365,7 @@
             <a:fld id="{A3D8ACCB-D86A-8340-83DF-E9D64A929EB3}" type="datetimeFigureOut">
               <a:rPr lang="x-none" smtClean="0"/>
               <a:pPr/>
-              <a:t>9/13/2021</a:t>
+              <a:t>9/15/2021</a:t>
             </a:fld>
             <a:endParaRPr lang="x-none"/>
           </a:p>
@@ -1670,7 +1669,7 @@
             <a:fld id="{A3D8ACCB-D86A-8340-83DF-E9D64A929EB3}" type="datetimeFigureOut">
               <a:rPr lang="x-none" smtClean="0"/>
               <a:pPr/>
-              <a:t>9/13/2021</a:t>
+              <a:t>9/15/2021</a:t>
             </a:fld>
             <a:endParaRPr lang="x-none"/>
           </a:p>
@@ -2116,7 +2115,7 @@
             <a:fld id="{A3D8ACCB-D86A-8340-83DF-E9D64A929EB3}" type="datetimeFigureOut">
               <a:rPr lang="x-none" smtClean="0"/>
               <a:pPr/>
-              <a:t>9/13/2021</a:t>
+              <a:t>9/15/2021</a:t>
             </a:fld>
             <a:endParaRPr lang="x-none"/>
           </a:p>
@@ -2294,7 +2293,7 @@
             <a:fld id="{A3D8ACCB-D86A-8340-83DF-E9D64A929EB3}" type="datetimeFigureOut">
               <a:rPr lang="x-none" smtClean="0"/>
               <a:pPr/>
-              <a:t>9/13/2021</a:t>
+              <a:t>9/15/2021</a:t>
             </a:fld>
             <a:endParaRPr lang="x-none"/>
           </a:p>
@@ -2438,7 +2437,7 @@
             <a:fld id="{A3D8ACCB-D86A-8340-83DF-E9D64A929EB3}" type="datetimeFigureOut">
               <a:rPr lang="x-none" smtClean="0"/>
               <a:pPr/>
-              <a:t>9/13/2021</a:t>
+              <a:t>9/15/2021</a:t>
             </a:fld>
             <a:endParaRPr lang="x-none"/>
           </a:p>
@@ -2782,7 +2781,7 @@
             <a:fld id="{A3D8ACCB-D86A-8340-83DF-E9D64A929EB3}" type="datetimeFigureOut">
               <a:rPr lang="x-none" smtClean="0"/>
               <a:pPr/>
-              <a:t>9/13/2021</a:t>
+              <a:t>9/15/2021</a:t>
             </a:fld>
             <a:endParaRPr lang="x-none"/>
           </a:p>
@@ -3102,7 +3101,7 @@
             <a:fld id="{A3D8ACCB-D86A-8340-83DF-E9D64A929EB3}" type="datetimeFigureOut">
               <a:rPr lang="x-none" smtClean="0"/>
               <a:pPr/>
-              <a:t>9/13/2021</a:t>
+              <a:t>9/15/2021</a:t>
             </a:fld>
             <a:endParaRPr lang="x-none"/>
           </a:p>
@@ -3374,7 +3373,7 @@
             <a:fld id="{A3D8ACCB-D86A-8340-83DF-E9D64A929EB3}" type="datetimeFigureOut">
               <a:rPr lang="x-none" smtClean="0"/>
               <a:pPr/>
-              <a:t>9/13/2021</a:t>
+              <a:t>9/15/2021</a:t>
             </a:fld>
             <a:endParaRPr lang="x-none" dirty="0"/>
           </a:p>
@@ -3934,16 +3933,10 @@
           <a:lstStyle/>
           <a:p>
             <a:r>
-              <a:rPr lang="sr-Cyrl-RS" dirty="0"/>
+              <a:rPr lang="sr-Cyrl-RS"/>
               <a:t>Милош Самарџија</a:t>
             </a:r>
-          </a:p>
-          <a:p>
-            <a:r>
-              <a:rPr lang="sr-Cyrl-RS" dirty="0"/>
-              <a:t>Милена Вујошевић Јаничић</a:t>
-            </a:r>
-            <a:endParaRPr lang="x-none" dirty="0"/>
+            <a:endParaRPr lang="sr-Cyrl-RS" dirty="0"/>
           </a:p>
         </p:txBody>
       </p:sp>
@@ -3961,168 +3954,6 @@
 </file>
 
 <file path=ppt/slides/slide10.xml><?xml version="1.0" encoding="utf-8"?>
-<p:sld xmlns:a="http://schemas.openxmlformats.org/drawingml/2006/main" xmlns:r="http://schemas.openxmlformats.org/officeDocument/2006/relationships" xmlns:p="http://schemas.openxmlformats.org/presentationml/2006/main">
-  <p:cSld>
-    <p:spTree>
-      <p:nvGrpSpPr>
-        <p:cNvPr id="1" name=""/>
-        <p:cNvGrpSpPr/>
-        <p:nvPr/>
-      </p:nvGrpSpPr>
-      <p:grpSpPr>
-        <a:xfrm>
-          <a:off x="0" y="0"/>
-          <a:ext cx="0" cy="0"/>
-          <a:chOff x="0" y="0"/>
-          <a:chExt cx="0" cy="0"/>
-        </a:xfrm>
-      </p:grpSpPr>
-      <p:sp>
-        <p:nvSpPr>
-          <p:cNvPr id="2" name="Title 1">
-            <a:extLst>
-              <a:ext uri="{FF2B5EF4-FFF2-40B4-BE49-F238E27FC236}">
-                <a16:creationId xmlns:a16="http://schemas.microsoft.com/office/drawing/2014/main" id="{181C48EB-09C9-CA41-9B40-A6294E5F1C47}"/>
-              </a:ext>
-            </a:extLst>
-          </p:cNvPr>
-          <p:cNvSpPr>
-            <a:spLocks noGrp="1"/>
-          </p:cNvSpPr>
-          <p:nvPr>
-            <p:ph type="title"/>
-          </p:nvPr>
-        </p:nvSpPr>
-        <p:spPr/>
-        <p:txBody>
-          <a:bodyPr>
-            <a:normAutofit fontScale="90000"/>
-          </a:bodyPr>
-          <a:lstStyle/>
-          <a:p>
-            <a:r>
-              <a:rPr lang="sr-Cyrl-RS" dirty="0"/>
-              <a:t>Апликација </a:t>
-            </a:r>
-            <a:r>
-              <a:rPr lang="en-US" i="1" dirty="0"/>
-              <a:t>My Running Buddy</a:t>
-            </a:r>
-            <a:endParaRPr lang="x-none" i="1" dirty="0"/>
-          </a:p>
-        </p:txBody>
-      </p:sp>
-      <p:sp>
-        <p:nvSpPr>
-          <p:cNvPr id="3" name="Content Placeholder 2">
-            <a:extLst>
-              <a:ext uri="{FF2B5EF4-FFF2-40B4-BE49-F238E27FC236}">
-                <a16:creationId xmlns:a16="http://schemas.microsoft.com/office/drawing/2014/main" id="{5AFCD9C6-9970-A248-B6B7-7914EAA1E53A}"/>
-              </a:ext>
-            </a:extLst>
-          </p:cNvPr>
-          <p:cNvSpPr>
-            <a:spLocks noGrp="1"/>
-          </p:cNvSpPr>
-          <p:nvPr>
-            <p:ph sz="half" idx="1"/>
-          </p:nvPr>
-        </p:nvSpPr>
-        <p:spPr>
-          <a:xfrm>
-            <a:off x="838200" y="1825625"/>
-            <a:ext cx="4817882" cy="4351338"/>
-          </a:xfrm>
-        </p:spPr>
-        <p:txBody>
-          <a:bodyPr/>
-          <a:lstStyle/>
-          <a:p>
-            <a:r>
-              <a:rPr lang="ru-RU" dirty="0"/>
-              <a:t>проналажење партнера за трчање</a:t>
-            </a:r>
-            <a:endParaRPr lang="en-US" dirty="0"/>
-          </a:p>
-          <a:p>
-            <a:r>
-              <a:rPr lang="sr-Cyrl-RS" dirty="0"/>
-              <a:t>конкретан пример примене архитектуре микросервиса</a:t>
-            </a:r>
-          </a:p>
-          <a:p>
-            <a:pPr lvl="1"/>
-            <a:r>
-              <a:rPr lang="sr-Cyrl-RS" dirty="0"/>
-              <a:t>развој микросервиса</a:t>
-            </a:r>
-          </a:p>
-          <a:p>
-            <a:pPr lvl="1"/>
-            <a:r>
-              <a:rPr lang="sr-Cyrl-RS" dirty="0"/>
-              <a:t>интеграција са унутрашњим и спољашњим сервисима</a:t>
-            </a:r>
-          </a:p>
-          <a:p>
-            <a:pPr lvl="1"/>
-            <a:r>
-              <a:rPr lang="sr-Cyrl-RS" dirty="0"/>
-              <a:t>развој клијентске апликације</a:t>
-            </a:r>
-          </a:p>
-          <a:p>
-            <a:pPr lvl="1"/>
-            <a:r>
-              <a:rPr lang="sr-Cyrl-RS"/>
-              <a:t>тестирање</a:t>
-            </a:r>
-          </a:p>
-        </p:txBody>
-      </p:sp>
-      <p:pic>
-        <p:nvPicPr>
-          <p:cNvPr id="10" name="Content Placeholder 9">
-            <a:extLst>
-              <a:ext uri="{FF2B5EF4-FFF2-40B4-BE49-F238E27FC236}">
-                <a16:creationId xmlns:a16="http://schemas.microsoft.com/office/drawing/2014/main" id="{DA43F63B-A310-448B-B584-275B1DD249D2}"/>
-              </a:ext>
-            </a:extLst>
-          </p:cNvPr>
-          <p:cNvPicPr>
-            <a:picLocks noGrp="1" noChangeAspect="1"/>
-          </p:cNvPicPr>
-          <p:nvPr>
-            <p:ph sz="half" idx="2"/>
-          </p:nvPr>
-        </p:nvPicPr>
-        <p:blipFill>
-          <a:blip r:embed="rId2"/>
-          <a:stretch>
-            <a:fillRect/>
-          </a:stretch>
-        </p:blipFill>
-        <p:spPr>
-          <a:xfrm>
-            <a:off x="5687095" y="2460396"/>
-            <a:ext cx="6415763" cy="2960016"/>
-          </a:xfrm>
-        </p:spPr>
-      </p:pic>
-    </p:spTree>
-    <p:extLst>
-      <p:ext uri="{BB962C8B-B14F-4D97-AF65-F5344CB8AC3E}">
-        <p14:creationId xmlns:p14="http://schemas.microsoft.com/office/powerpoint/2010/main" val="2054217480"/>
-      </p:ext>
-    </p:extLst>
-  </p:cSld>
-  <p:clrMapOvr>
-    <a:masterClrMapping/>
-  </p:clrMapOvr>
-</p:sld>
-</file>
-
-<file path=ppt/slides/slide11.xml><?xml version="1.0" encoding="utf-8"?>
 <p:sld xmlns:a="http://schemas.openxmlformats.org/drawingml/2006/main" xmlns:r="http://schemas.openxmlformats.org/officeDocument/2006/relationships" xmlns:p="http://schemas.openxmlformats.org/presentationml/2006/main">
   <p:cSld>
     <p:spTree>
@@ -4500,8 +4331,13 @@
             <a:pPr lvl="1"/>
             <a:r>
               <a:rPr lang="sr-Cyrl-RS" dirty="0"/>
-              <a:t>развој заједничког језика и аналитичког модела</a:t>
-            </a:r>
+              <a:t>развој заједничког језик</a:t>
+            </a:r>
+            <a:r>
+              <a:rPr lang="en-US" dirty="0"/>
+              <a:t>a</a:t>
+            </a:r>
+            <a:endParaRPr lang="sr-Cyrl-RS" dirty="0"/>
           </a:p>
           <a:p>
             <a:pPr lvl="1"/>
@@ -4605,31 +4441,24 @@
             </a:r>
           </a:p>
           <a:p>
-            <a:pPr lvl="1"/>
+            <a:pPr lvl="2"/>
             <a:r>
               <a:rPr lang="sr-Cyrl-RS" dirty="0"/>
               <a:t>заједнички језик</a:t>
             </a:r>
           </a:p>
           <a:p>
-            <a:pPr lvl="1"/>
+            <a:pPr lvl="2"/>
             <a:r>
               <a:rPr lang="sr-Cyrl-RS" dirty="0"/>
               <a:t>дијаграми</a:t>
             </a:r>
           </a:p>
           <a:p>
-            <a:pPr lvl="1"/>
+            <a:pPr lvl="2"/>
             <a:r>
               <a:rPr lang="sr-Cyrl-RS" dirty="0"/>
               <a:t>имплементациони модел (системски дијаграми, псеудокод, ...)</a:t>
-            </a:r>
-          </a:p>
-          <a:p>
-            <a:pPr lvl="2"/>
-            <a:r>
-              <a:rPr lang="sr-Cyrl-RS" dirty="0"/>
-              <a:t>фокусиран на доменске концепте, а не на техничке ствари</a:t>
             </a:r>
           </a:p>
           <a:p>
@@ -4713,7 +4542,7 @@
           <p:cNvPr id="2" name="Title 1">
             <a:extLst>
               <a:ext uri="{FF2B5EF4-FFF2-40B4-BE49-F238E27FC236}">
-                <a16:creationId xmlns:a16="http://schemas.microsoft.com/office/drawing/2014/main" id="{181C48EB-09C9-CA41-9B40-A6294E5F1C47}"/>
+                <a16:creationId xmlns:a16="http://schemas.microsoft.com/office/drawing/2014/main" id="{C40260F2-EC1D-3C4C-A3DE-0BF53F34F44A}"/>
               </a:ext>
             </a:extLst>
           </p:cNvPr>
@@ -4726,117 +4555,92 @@
         </p:nvSpPr>
         <p:spPr/>
         <p:txBody>
+          <a:bodyPr/>
+          <a:lstStyle/>
+          <a:p>
+            <a:r>
+              <a:rPr lang="sr-Cyrl-RS" dirty="0"/>
+              <a:t>Ограничени контексти</a:t>
+            </a:r>
+            <a:endParaRPr lang="x-none" dirty="0"/>
+          </a:p>
+        </p:txBody>
+      </p:sp>
+      <p:sp>
+        <p:nvSpPr>
+          <p:cNvPr id="3" name="Content Placeholder 2">
+            <a:extLst>
+              <a:ext uri="{FF2B5EF4-FFF2-40B4-BE49-F238E27FC236}">
+                <a16:creationId xmlns:a16="http://schemas.microsoft.com/office/drawing/2014/main" id="{17B6CB75-E9C9-7E4F-A634-EBE43E711261}"/>
+              </a:ext>
+            </a:extLst>
+          </p:cNvPr>
+          <p:cNvSpPr>
+            <a:spLocks noGrp="1"/>
+          </p:cNvSpPr>
+          <p:nvPr>
+            <p:ph idx="1"/>
+          </p:nvPr>
+        </p:nvSpPr>
+        <p:spPr/>
+        <p:txBody>
           <a:bodyPr>
-            <a:normAutofit fontScale="90000"/>
+            <a:normAutofit/>
           </a:bodyPr>
           <a:lstStyle/>
           <a:p>
             <a:r>
               <a:rPr lang="sr-Cyrl-RS" dirty="0"/>
-              <a:t>Доменски оријентисано моделовање</a:t>
-            </a:r>
-            <a:endParaRPr lang="x-none" dirty="0"/>
-          </a:p>
-        </p:txBody>
-      </p:sp>
-      <p:sp>
-        <p:nvSpPr>
-          <p:cNvPr id="3" name="Content Placeholder 2">
-            <a:extLst>
-              <a:ext uri="{FF2B5EF4-FFF2-40B4-BE49-F238E27FC236}">
-                <a16:creationId xmlns:a16="http://schemas.microsoft.com/office/drawing/2014/main" id="{5AFCD9C6-9970-A248-B6B7-7914EAA1E53A}"/>
-              </a:ext>
-            </a:extLst>
-          </p:cNvPr>
-          <p:cNvSpPr>
-            <a:spLocks noGrp="1"/>
-          </p:cNvSpPr>
-          <p:nvPr>
-            <p:ph sz="half" idx="1"/>
-          </p:nvPr>
-        </p:nvSpPr>
-        <p:spPr/>
-        <p:txBody>
-          <a:bodyPr/>
-          <a:lstStyle/>
-          <a:p>
-            <a:r>
-              <a:rPr lang="sr-Cyrl-RS" dirty="0"/>
-              <a:t>Доменски модел</a:t>
-            </a:r>
-            <a:endParaRPr lang="en-US" dirty="0"/>
+              <a:t>конкретна техничка имплементација која одржава границе између модела апликације</a:t>
+            </a:r>
           </a:p>
           <a:p>
             <a:pPr lvl="1"/>
             <a:r>
               <a:rPr lang="sr-Cyrl-RS" dirty="0"/>
-              <a:t>не осликава цео домен</a:t>
+              <a:t>микросервис је пример границе једног конкретног поддомена</a:t>
+            </a:r>
+          </a:p>
+          <a:p>
+            <a:r>
+              <a:rPr lang="sr-Cyrl-RS" dirty="0"/>
+              <a:t>један контекст, један тим</a:t>
             </a:r>
           </a:p>
           <a:p>
             <a:pPr lvl="1"/>
             <a:r>
               <a:rPr lang="sr-Cyrl-RS" dirty="0"/>
-              <a:t>прилагођен случајевима употребе</a:t>
+              <a:t>развој унутар различитих контекста заштићен од спољашњих утицаја док је интерфејс стабилан</a:t>
+            </a:r>
+          </a:p>
+          <a:p>
+            <a:r>
+              <a:rPr lang="sr-Cyrl-RS" dirty="0"/>
+              <a:t>интеграција</a:t>
             </a:r>
           </a:p>
           <a:p>
             <a:pPr lvl="1"/>
             <a:r>
               <a:rPr lang="sr-Cyrl-RS" dirty="0"/>
-              <a:t>развија се паралелно са пословањем</a:t>
+              <a:t>синхрони и асинхрони приступ</a:t>
             </a:r>
           </a:p>
           <a:p>
             <a:pPr lvl="1"/>
-            <a:r>
-              <a:rPr lang="sr-Cyrl-RS" dirty="0"/>
-              <a:t>итеративан процес</a:t>
-            </a:r>
+            <a:endParaRPr lang="sr-Cyrl-RS" dirty="0"/>
           </a:p>
           <a:p>
             <a:pPr lvl="1"/>
-            <a:r>
-              <a:rPr lang="sr-Cyrl-RS" dirty="0"/>
-              <a:t>сваки поддомен ће имати свој модел са одговарајућом комплексношћу</a:t>
-            </a:r>
-            <a:endParaRPr lang="x-none" dirty="0"/>
-          </a:p>
-        </p:txBody>
-      </p:sp>
-      <p:pic>
-        <p:nvPicPr>
-          <p:cNvPr id="10" name="Content Placeholder 9">
-            <a:extLst>
-              <a:ext uri="{FF2B5EF4-FFF2-40B4-BE49-F238E27FC236}">
-                <a16:creationId xmlns:a16="http://schemas.microsoft.com/office/drawing/2014/main" id="{DA43F63B-A310-448B-B584-275B1DD249D2}"/>
-              </a:ext>
-            </a:extLst>
-          </p:cNvPr>
-          <p:cNvPicPr>
-            <a:picLocks noGrp="1" noChangeAspect="1"/>
-          </p:cNvPicPr>
-          <p:nvPr>
-            <p:ph sz="half" idx="2"/>
-          </p:nvPr>
-        </p:nvPicPr>
-        <p:blipFill>
-          <a:blip r:embed="rId2"/>
-          <a:stretch>
-            <a:fillRect/>
-          </a:stretch>
-        </p:blipFill>
-        <p:spPr>
-          <a:xfrm>
-            <a:off x="6172200" y="2614599"/>
-            <a:ext cx="5181600" cy="2773389"/>
-          </a:xfrm>
-        </p:spPr>
-      </p:pic>
+            <a:endParaRPr lang="sr-Cyrl-RS" dirty="0"/>
+          </a:p>
+        </p:txBody>
+      </p:sp>
     </p:spTree>
     <p:extLst>
       <p:ext uri="{BB962C8B-B14F-4D97-AF65-F5344CB8AC3E}">
-        <p14:creationId xmlns:p14="http://schemas.microsoft.com/office/powerpoint/2010/main" val="2704189030"/>
+        <p14:creationId xmlns:p14="http://schemas.microsoft.com/office/powerpoint/2010/main" val="4294287471"/>
       </p:ext>
     </p:extLst>
   </p:cSld>
@@ -4886,9 +4690,8 @@
           <a:p>
             <a:r>
               <a:rPr lang="sr-Cyrl-RS" dirty="0"/>
-              <a:t>Ограничени контексти</a:t>
-            </a:r>
-            <a:endParaRPr lang="x-none" dirty="0"/>
+              <a:t>Микросервисна архитектура</a:t>
+            </a:r>
           </a:p>
         </p:txBody>
       </p:sp>
@@ -4910,79 +4713,72 @@
         </p:nvSpPr>
         <p:spPr/>
         <p:txBody>
-          <a:bodyPr>
-            <a:normAutofit lnSpcReduction="10000"/>
-          </a:bodyPr>
-          <a:lstStyle/>
-          <a:p>
-            <a:r>
-              <a:rPr lang="sr-Cyrl-RS" dirty="0"/>
-              <a:t>конкретна техничка имплементација која одржава границе између модела апликације</a:t>
-            </a:r>
+          <a:bodyPr/>
+          <a:lstStyle/>
+          <a:p>
+            <a:r>
+              <a:rPr lang="ru-RU" dirty="0"/>
+              <a:t>мали</a:t>
+            </a:r>
+            <a:r>
+              <a:rPr lang="en-US" dirty="0"/>
+              <a:t> </a:t>
+            </a:r>
+            <a:r>
+              <a:rPr lang="sr-Cyrl-RS" dirty="0"/>
+              <a:t>и</a:t>
+            </a:r>
+            <a:r>
+              <a:rPr lang="en-US" dirty="0"/>
+              <a:t> </a:t>
+            </a:r>
+            <a:r>
+              <a:rPr lang="ru-RU" dirty="0"/>
+              <a:t>независни сервиси који раде заједно како би обавили посао</a:t>
+            </a:r>
+          </a:p>
+          <a:p>
+            <a:r>
+              <a:rPr lang="ru-RU" dirty="0"/>
+              <a:t>подела на сервисе праћењем смерница доменски оријентисаног моделовања</a:t>
+            </a:r>
+            <a:endParaRPr lang="sr-Cyrl-RS" dirty="0"/>
           </a:p>
           <a:p>
             <a:pPr lvl="1"/>
             <a:r>
               <a:rPr lang="sr-Cyrl-RS" dirty="0"/>
-              <a:t>микросервис је пример границе једног конкретног поддомена</a:t>
-            </a:r>
-          </a:p>
-          <a:p>
-            <a:r>
-              <a:rPr lang="sr-Cyrl-RS" dirty="0"/>
-              <a:t>један контекст, један тим</a:t>
-            </a:r>
-          </a:p>
-          <a:p>
-            <a:r>
-              <a:rPr lang="sr-Cyrl-RS" dirty="0"/>
-              <a:t>развој унутар различитих контекста заштићен од спољашњих утицаја док је интерфејс стабилан</a:t>
-            </a:r>
-          </a:p>
-          <a:p>
-            <a:r>
-              <a:rPr lang="sr-Cyrl-RS" dirty="0"/>
-              <a:t>интеграција</a:t>
+              <a:t>оријентисани ка домену проблема</a:t>
+            </a:r>
+          </a:p>
+          <a:p>
+            <a:r>
+              <a:rPr lang="sr-Cyrl-RS" dirty="0"/>
+              <a:t>комуникација преко мрежних позива</a:t>
             </a:r>
           </a:p>
           <a:p>
             <a:pPr lvl="1"/>
             <a:r>
               <a:rPr lang="sr-Cyrl-RS" dirty="0"/>
-              <a:t>базе података и датотеке</a:t>
+              <a:t>форсира што већу раздвојеност</a:t>
+            </a:r>
+            <a:endParaRPr lang="en-US" dirty="0"/>
+          </a:p>
+          <a:p>
+            <a:r>
+              <a:rPr lang="sr-Cyrl-RS" dirty="0"/>
+              <a:t>могућност коришћења различитих технологија на различитим сервисима</a:t>
             </a:r>
           </a:p>
           <a:p>
             <a:pPr lvl="1"/>
             <a:r>
               <a:rPr lang="sr-Cyrl-RS" dirty="0"/>
-              <a:t>позив удаљених процедура</a:t>
-            </a:r>
-          </a:p>
-          <a:p>
-            <a:pPr lvl="1"/>
-            <a:r>
-              <a:rPr lang="sr-Cyrl-RS" dirty="0"/>
-              <a:t>системи за размену порука</a:t>
-            </a:r>
-          </a:p>
-          <a:p>
-            <a:pPr lvl="1"/>
-            <a:r>
-              <a:rPr lang="en-US" dirty="0"/>
-              <a:t>REST </a:t>
-            </a:r>
-            <a:r>
-              <a:rPr lang="sr-Cyrl-RS" dirty="0"/>
-              <a:t>интерфејси</a:t>
-            </a:r>
-          </a:p>
-          <a:p>
-            <a:pPr lvl="1"/>
-            <a:endParaRPr lang="sr-Cyrl-RS" dirty="0"/>
-          </a:p>
-          <a:p>
-            <a:pPr lvl="1"/>
+              <a:t>експериментисање са новим технологијама</a:t>
+            </a:r>
+          </a:p>
+          <a:p>
             <a:endParaRPr lang="sr-Cyrl-RS" dirty="0"/>
           </a:p>
         </p:txBody>
@@ -4990,7 +4786,7 @@
     </p:spTree>
     <p:extLst>
       <p:ext uri="{BB962C8B-B14F-4D97-AF65-F5344CB8AC3E}">
-        <p14:creationId xmlns:p14="http://schemas.microsoft.com/office/powerpoint/2010/main" val="4294287471"/>
+        <p14:creationId xmlns:p14="http://schemas.microsoft.com/office/powerpoint/2010/main" val="1316957026"/>
       </p:ext>
     </p:extLst>
   </p:cSld>
@@ -5040,8 +4836,9 @@
           <a:p>
             <a:r>
               <a:rPr lang="sr-Cyrl-RS" dirty="0"/>
-              <a:t>Микросервисна архитектура</a:t>
-            </a:r>
+              <a:t>Карактеристике микросервиса</a:t>
+            </a:r>
+            <a:endParaRPr lang="x-none" dirty="0"/>
           </a:p>
         </p:txBody>
       </p:sp>
@@ -5063,75 +4860,80 @@
         </p:nvSpPr>
         <p:spPr/>
         <p:txBody>
-          <a:bodyPr/>
-          <a:lstStyle/>
-          <a:p>
-            <a:r>
-              <a:rPr lang="ru-RU" dirty="0"/>
-              <a:t>мали</a:t>
-            </a:r>
-            <a:r>
-              <a:rPr lang="en-US" dirty="0"/>
-              <a:t> </a:t>
-            </a:r>
-            <a:r>
-              <a:rPr lang="sr-Cyrl-RS" dirty="0"/>
-              <a:t>и</a:t>
-            </a:r>
-            <a:r>
-              <a:rPr lang="en-US" dirty="0"/>
-              <a:t> </a:t>
-            </a:r>
-            <a:r>
-              <a:rPr lang="ru-RU" dirty="0"/>
-              <a:t>независни сервиси који раде заједно како би обавили посао</a:t>
-            </a:r>
-          </a:p>
-          <a:p>
-            <a:r>
-              <a:rPr lang="ru-RU" dirty="0"/>
-              <a:t>подела на сервисе праћењем смерница доменски оријентисаног моделовања</a:t>
-            </a:r>
+          <a:bodyPr>
+            <a:normAutofit/>
+          </a:bodyPr>
+          <a:lstStyle/>
+          <a:p>
+            <a:r>
+              <a:rPr lang="sr-Cyrl-RS" dirty="0"/>
+              <a:t>Редудантност и отпорност на отказивање</a:t>
+            </a:r>
+          </a:p>
+          <a:p>
+            <a:pPr lvl="1"/>
+            <a:r>
+              <a:rPr lang="sr-Cyrl-RS" dirty="0"/>
+              <a:t>отказивање једног сервиса не утиче на доступност осталих сервиса</a:t>
+            </a:r>
+          </a:p>
+          <a:p>
+            <a:r>
+              <a:rPr lang="sr-Cyrl-RS" dirty="0"/>
+              <a:t>Скалирање</a:t>
+            </a:r>
+          </a:p>
+          <a:p>
+            <a:pPr lvl="1"/>
+            <a:r>
+              <a:rPr lang="sr-Cyrl-RS" dirty="0"/>
+              <a:t>покретање више инстанци истог сервиса током већег налета захтева</a:t>
+            </a:r>
+          </a:p>
+          <a:p>
+            <a:r>
+              <a:rPr lang="sr-Cyrl-RS" dirty="0"/>
+              <a:t>Одзив</a:t>
+            </a:r>
+          </a:p>
+          <a:p>
+            <a:pPr lvl="1"/>
+            <a:r>
+              <a:rPr lang="sr-Cyrl-RS" dirty="0"/>
+              <a:t>директан утицај на задовољство корисника</a:t>
+            </a:r>
+          </a:p>
+          <a:p>
+            <a:pPr lvl="1"/>
+            <a:r>
+              <a:rPr lang="sr-Cyrl-RS" dirty="0"/>
+              <a:t>зависи од оптерећења и локације сервиса у односу на кориснике</a:t>
+            </a:r>
+          </a:p>
+          <a:p>
+            <a:pPr lvl="1"/>
+            <a:r>
+              <a:rPr lang="sr-Cyrl-RS" dirty="0"/>
+              <a:t>покретање више инстанци сервиса широм света, уз тактички одабир локација и редудантних линија комуникације</a:t>
+            </a:r>
+          </a:p>
+          <a:p>
+            <a:pPr lvl="1"/>
             <a:endParaRPr lang="sr-Cyrl-RS" dirty="0"/>
           </a:p>
           <a:p>
-            <a:r>
-              <a:rPr lang="sr-Cyrl-RS" dirty="0"/>
-              <a:t>оријентисани ка домену проблема</a:t>
-            </a:r>
-          </a:p>
-          <a:p>
-            <a:r>
-              <a:rPr lang="sr-Cyrl-RS" dirty="0"/>
-              <a:t>ограничени контексти су природне границе сервиса</a:t>
-            </a:r>
-          </a:p>
-          <a:p>
-            <a:r>
-              <a:rPr lang="sr-Cyrl-RS" dirty="0"/>
-              <a:t>комуникација преко мрежних позива</a:t>
-            </a:r>
-          </a:p>
-          <a:p>
             <a:pPr lvl="1"/>
-            <a:r>
-              <a:rPr lang="sr-Cyrl-RS" dirty="0"/>
-              <a:t>форсира се што већа раздвојеност</a:t>
-            </a:r>
-          </a:p>
-          <a:p>
-            <a:r>
-              <a:rPr lang="sr-Cyrl-RS" dirty="0"/>
-              <a:t>дистрибуција нових верзија појединачних сервиса независна од остатка система</a:t>
-            </a:r>
-            <a:endParaRPr lang="ru-RU" dirty="0"/>
+            <a:endParaRPr lang="en-US" dirty="0"/>
+          </a:p>
+          <a:p>
+            <a:endParaRPr lang="sr-Cyrl-RS" dirty="0"/>
           </a:p>
         </p:txBody>
       </p:sp>
     </p:spTree>
     <p:extLst>
       <p:ext uri="{BB962C8B-B14F-4D97-AF65-F5344CB8AC3E}">
-        <p14:creationId xmlns:p14="http://schemas.microsoft.com/office/powerpoint/2010/main" val="1316957026"/>
+        <p14:creationId xmlns:p14="http://schemas.microsoft.com/office/powerpoint/2010/main" val="1202404552"/>
       </p:ext>
     </p:extLst>
   </p:cSld>
@@ -5207,25 +5009,6 @@
         <p:txBody>
           <a:bodyPr/>
           <a:lstStyle/>
-          <a:p>
-            <a:r>
-              <a:rPr lang="sr-Cyrl-RS" dirty="0"/>
-              <a:t>комуникација путем добро дефинисаних интерфејса</a:t>
-            </a:r>
-          </a:p>
-          <a:p>
-            <a:r>
-              <a:rPr lang="sr-Cyrl-RS" dirty="0"/>
-              <a:t>могућност коришћења различитих технологија на различитим сервисима</a:t>
-            </a:r>
-          </a:p>
-          <a:p>
-            <a:pPr lvl="1"/>
-            <a:r>
-              <a:rPr lang="sr-Cyrl-RS" dirty="0"/>
-              <a:t>експериментисање са новим технологијама</a:t>
-            </a:r>
-          </a:p>
           <a:p>
             <a:r>
               <a:rPr lang="ru-RU" dirty="0"/>
@@ -5291,7 +5074,7 @@
           <p:cNvPr id="2" name="Title 1">
             <a:extLst>
               <a:ext uri="{FF2B5EF4-FFF2-40B4-BE49-F238E27FC236}">
-                <a16:creationId xmlns:a16="http://schemas.microsoft.com/office/drawing/2014/main" id="{C40260F2-EC1D-3C4C-A3DE-0BF53F34F44A}"/>
+                <a16:creationId xmlns:a16="http://schemas.microsoft.com/office/drawing/2014/main" id="{181C48EB-09C9-CA41-9B40-A6294E5F1C47}"/>
               </a:ext>
             </a:extLst>
           </p:cNvPr>
@@ -5304,14 +5087,20 @@
         </p:nvSpPr>
         <p:spPr/>
         <p:txBody>
-          <a:bodyPr/>
-          <a:lstStyle/>
-          <a:p>
-            <a:r>
-              <a:rPr lang="sr-Cyrl-RS" dirty="0"/>
-              <a:t>Карактеристике микросервиса</a:t>
-            </a:r>
-            <a:endParaRPr lang="x-none" dirty="0"/>
+          <a:bodyPr>
+            <a:normAutofit fontScale="90000"/>
+          </a:bodyPr>
+          <a:lstStyle/>
+          <a:p>
+            <a:r>
+              <a:rPr lang="sr-Cyrl-RS" dirty="0"/>
+              <a:t>Апликација </a:t>
+            </a:r>
+            <a:r>
+              <a:rPr lang="en-US" i="1" dirty="0"/>
+              <a:t>My Running Buddy</a:t>
+            </a:r>
+            <a:endParaRPr lang="x-none" i="1" dirty="0"/>
           </a:p>
         </p:txBody>
       </p:sp>
@@ -5320,115 +5109,102 @@
           <p:cNvPr id="3" name="Content Placeholder 2">
             <a:extLst>
               <a:ext uri="{FF2B5EF4-FFF2-40B4-BE49-F238E27FC236}">
-                <a16:creationId xmlns:a16="http://schemas.microsoft.com/office/drawing/2014/main" id="{17B6CB75-E9C9-7E4F-A634-EBE43E711261}"/>
-              </a:ext>
-            </a:extLst>
-          </p:cNvPr>
-          <p:cNvSpPr>
-            <a:spLocks noGrp="1"/>
-          </p:cNvSpPr>
-          <p:nvPr>
-            <p:ph idx="1"/>
-          </p:nvPr>
-        </p:nvSpPr>
-        <p:spPr/>
-        <p:txBody>
-          <a:bodyPr>
-            <a:normAutofit fontScale="92500" lnSpcReduction="10000"/>
-          </a:bodyPr>
-          <a:lstStyle/>
-          <a:p>
-            <a:r>
-              <a:rPr lang="sr-Cyrl-RS" dirty="0"/>
-              <a:t>Редудантност и отпорност на отказивање</a:t>
+                <a16:creationId xmlns:a16="http://schemas.microsoft.com/office/drawing/2014/main" id="{5AFCD9C6-9970-A248-B6B7-7914EAA1E53A}"/>
+              </a:ext>
+            </a:extLst>
+          </p:cNvPr>
+          <p:cNvSpPr>
+            <a:spLocks noGrp="1"/>
+          </p:cNvSpPr>
+          <p:nvPr>
+            <p:ph sz="half" idx="1"/>
+          </p:nvPr>
+        </p:nvSpPr>
+        <p:spPr>
+          <a:xfrm>
+            <a:off x="838200" y="1825625"/>
+            <a:ext cx="4817882" cy="4351338"/>
+          </a:xfrm>
+        </p:spPr>
+        <p:txBody>
+          <a:bodyPr/>
+          <a:lstStyle/>
+          <a:p>
+            <a:r>
+              <a:rPr lang="ru-RU" dirty="0"/>
+              <a:t>проналажење партнера за трчање</a:t>
+            </a:r>
+            <a:endParaRPr lang="en-US" dirty="0"/>
+          </a:p>
+          <a:p>
+            <a:r>
+              <a:rPr lang="sr-Cyrl-RS" dirty="0"/>
+              <a:t>конкретан пример примене архитектуре микросервиса</a:t>
             </a:r>
           </a:p>
           <a:p>
             <a:pPr lvl="1"/>
             <a:r>
               <a:rPr lang="sr-Cyrl-RS" dirty="0"/>
-              <a:t>отказивање једног сервиса не утиче на доступност осталих сервиса</a:t>
+              <a:t>развој микросервиса</a:t>
             </a:r>
           </a:p>
           <a:p>
             <a:pPr lvl="1"/>
             <a:r>
               <a:rPr lang="sr-Cyrl-RS" dirty="0"/>
-              <a:t>детекција отказивања</a:t>
+              <a:t>интеграција са унутрашњим и спољашњим сервисима</a:t>
             </a:r>
           </a:p>
           <a:p>
             <a:pPr lvl="1"/>
             <a:r>
               <a:rPr lang="sr-Cyrl-RS" dirty="0"/>
-              <a:t>синхронизација примарних и резервних инстанци</a:t>
-            </a:r>
-          </a:p>
-          <a:p>
-            <a:r>
-              <a:rPr lang="sr-Cyrl-RS" dirty="0"/>
-              <a:t>Скалирање</a:t>
+              <a:t>развој клијентске апликације</a:t>
             </a:r>
           </a:p>
           <a:p>
             <a:pPr lvl="1"/>
             <a:r>
-              <a:rPr lang="sr-Cyrl-RS" dirty="0"/>
-              <a:t>покретање више инстанци истог сервиса током већег налета захтева</a:t>
-            </a:r>
-          </a:p>
-          <a:p>
-            <a:pPr lvl="1"/>
-            <a:r>
-              <a:rPr lang="sr-Cyrl-RS" dirty="0"/>
-              <a:t>може се аутоматизовати</a:t>
-            </a:r>
-            <a:endParaRPr lang="x-none" dirty="0"/>
-          </a:p>
-          <a:p>
-            <a:r>
-              <a:rPr lang="sr-Cyrl-RS" dirty="0"/>
-              <a:t>Одзив</a:t>
-            </a:r>
-          </a:p>
-          <a:p>
-            <a:pPr lvl="1"/>
-            <a:r>
-              <a:rPr lang="sr-Cyrl-RS" dirty="0"/>
-              <a:t>директан утицај на задовољство корисника</a:t>
-            </a:r>
-          </a:p>
-          <a:p>
-            <a:pPr lvl="1"/>
-            <a:r>
-              <a:rPr lang="sr-Cyrl-RS" dirty="0"/>
-              <a:t>зависи од оптерећења и локације сервиса у односу на кориснике</a:t>
-            </a:r>
-          </a:p>
-          <a:p>
-            <a:pPr lvl="1"/>
-            <a:r>
-              <a:rPr lang="sr-Cyrl-RS" dirty="0"/>
-              <a:t>покретање више инстанци сервиса широм света, уз тактички одабир локација и редудантних линија комуникације</a:t>
-            </a:r>
-          </a:p>
-          <a:p>
-            <a:pPr lvl="1"/>
-            <a:endParaRPr lang="sr-Cyrl-RS" dirty="0"/>
-          </a:p>
-          <a:p>
-            <a:pPr lvl="1"/>
-            <a:endParaRPr lang="en-US" dirty="0"/>
-          </a:p>
-          <a:p>
-            <a:endParaRPr lang="sr-Cyrl-RS" dirty="0"/>
-          </a:p>
-        </p:txBody>
-      </p:sp>
+              <a:rPr lang="sr-Cyrl-RS"/>
+              <a:t>тестирање</a:t>
+            </a:r>
+          </a:p>
+        </p:txBody>
+      </p:sp>
+      <p:pic>
+        <p:nvPicPr>
+          <p:cNvPr id="10" name="Content Placeholder 9">
+            <a:extLst>
+              <a:ext uri="{FF2B5EF4-FFF2-40B4-BE49-F238E27FC236}">
+                <a16:creationId xmlns:a16="http://schemas.microsoft.com/office/drawing/2014/main" id="{DA43F63B-A310-448B-B584-275B1DD249D2}"/>
+              </a:ext>
+            </a:extLst>
+          </p:cNvPr>
+          <p:cNvPicPr>
+            <a:picLocks noGrp="1" noChangeAspect="1"/>
+          </p:cNvPicPr>
+          <p:nvPr>
+            <p:ph sz="half" idx="2"/>
+          </p:nvPr>
+        </p:nvPicPr>
+        <p:blipFill>
+          <a:blip r:embed="rId2"/>
+          <a:stretch>
+            <a:fillRect/>
+          </a:stretch>
+        </p:blipFill>
+        <p:spPr>
+          <a:xfrm>
+            <a:off x="5687095" y="2460396"/>
+            <a:ext cx="6415763" cy="2960016"/>
+          </a:xfrm>
+        </p:spPr>
+      </p:pic>
     </p:spTree>
     <p:extLst>
       <p:ext uri="{BB962C8B-B14F-4D97-AF65-F5344CB8AC3E}">
-        <p14:creationId xmlns:p14="http://schemas.microsoft.com/office/powerpoint/2010/main" val="1202404552"/>
+        <p14:creationId xmlns:p14="http://schemas.microsoft.com/office/powerpoint/2010/main" val="2054217480"/>
       </p:ext>
     </p:extLst>
   </p:cSld>
